--- a/YelpProject.pptx
+++ b/YelpProject.pptx
@@ -5,20 +5,22 @@
     <p:sldMasterId id="2147484250" r:id="rId1"/>
   </p:sldMasterIdLst>
   <p:notesMasterIdLst>
-    <p:notesMasterId r:id="rId13"/>
+    <p:notesMasterId r:id="rId15"/>
   </p:notesMasterIdLst>
   <p:sldIdLst>
     <p:sldId id="256" r:id="rId2"/>
-    <p:sldId id="263" r:id="rId3"/>
-    <p:sldId id="257" r:id="rId4"/>
-    <p:sldId id="261" r:id="rId5"/>
-    <p:sldId id="258" r:id="rId6"/>
-    <p:sldId id="259" r:id="rId7"/>
-    <p:sldId id="260" r:id="rId8"/>
-    <p:sldId id="264" r:id="rId9"/>
-    <p:sldId id="265" r:id="rId10"/>
-    <p:sldId id="266" r:id="rId11"/>
-    <p:sldId id="267" r:id="rId12"/>
+    <p:sldId id="268" r:id="rId3"/>
+    <p:sldId id="263" r:id="rId4"/>
+    <p:sldId id="258" r:id="rId5"/>
+    <p:sldId id="259" r:id="rId6"/>
+    <p:sldId id="260" r:id="rId7"/>
+    <p:sldId id="264" r:id="rId8"/>
+    <p:sldId id="265" r:id="rId9"/>
+    <p:sldId id="266" r:id="rId10"/>
+    <p:sldId id="267" r:id="rId11"/>
+    <p:sldId id="257" r:id="rId12"/>
+    <p:sldId id="261" r:id="rId13"/>
+    <p:sldId id="269" r:id="rId14"/>
   </p:sldIdLst>
   <p:sldSz cx="9144000" cy="6858000" type="screen4x3"/>
   <p:notesSz cx="6858000" cy="9144000"/>
@@ -529,14 +531,245 @@
           <a:bodyPr/>
           <a:lstStyle/>
           <a:p>
-            <a:r>
-              <a:rPr lang="en-US" dirty="0"/>
-              <a:t>Scatter plots show how much one variable is affected by another.</a:t>
-            </a:r>
-            <a:r>
-              <a:rPr lang="en-US" baseline="0" dirty="0"/>
-              <a:t>  Neither a negative or a positive correlation could be determined by this data.  The dataset for the X- axis, representing price, was a range of numbers between 1 and 4 ($1 to $4).  Numbers from 1 to 5 represent star rating.  The small difference between between numbers made it difficult to show an effect between variables.</a:t>
-            </a:r>
+            <a:pPr marL="0" marR="0" indent="0" algn="l" defTabSz="457200" rtl="0" eaLnBrk="1" fontAlgn="auto" latinLnBrk="0" hangingPunct="1">
+              <a:lnSpc>
+                <a:spcPct val="100000"/>
+              </a:lnSpc>
+              <a:spcBef>
+                <a:spcPts val="0"/>
+              </a:spcBef>
+              <a:spcAft>
+                <a:spcPts val="0"/>
+              </a:spcAft>
+              <a:buClrTx/>
+              <a:buSzTx/>
+              <a:buFontTx/>
+              <a:buNone/>
+              <a:tabLst/>
+              <a:defRPr/>
+            </a:pPr>
+            <a:r>
+              <a:rPr lang="en-US" sz="1200" kern="1200" dirty="0">
+                <a:solidFill>
+                  <a:schemeClr val="tx1"/>
+                </a:solidFill>
+                <a:effectLst/>
+                <a:latin typeface="+mn-lt"/>
+                <a:ea typeface="+mn-ea"/>
+                <a:cs typeface="+mn-cs"/>
+              </a:rPr>
+              <a:t>Cleveland:</a:t>
+            </a:r>
+            <a:r>
+              <a:rPr lang="en-US" sz="1200" kern="1200" baseline="0" dirty="0">
+                <a:solidFill>
+                  <a:schemeClr val="tx1"/>
+                </a:solidFill>
+                <a:effectLst/>
+                <a:latin typeface="+mn-lt"/>
+                <a:ea typeface="+mn-ea"/>
+                <a:cs typeface="+mn-cs"/>
+              </a:rPr>
+              <a:t>  F </a:t>
+            </a:r>
+            <a:r>
+              <a:rPr lang="en-US" sz="1200" kern="1200" baseline="0" dirty="0" err="1">
+                <a:solidFill>
+                  <a:schemeClr val="tx1"/>
+                </a:solidFill>
+                <a:effectLst/>
+                <a:latin typeface="+mn-lt"/>
+                <a:ea typeface="+mn-ea"/>
+                <a:cs typeface="+mn-cs"/>
+              </a:rPr>
+              <a:t>onewayResult</a:t>
+            </a:r>
+            <a:r>
+              <a:rPr lang="en-US" sz="1200" kern="1200" baseline="0" dirty="0">
+                <a:solidFill>
+                  <a:schemeClr val="tx1"/>
+                </a:solidFill>
+                <a:effectLst/>
+                <a:latin typeface="+mn-lt"/>
+                <a:ea typeface="+mn-ea"/>
+                <a:cs typeface="+mn-cs"/>
+              </a:rPr>
+              <a:t>(</a:t>
+            </a:r>
+            <a:r>
+              <a:rPr lang="en-US" sz="1200" kern="1200" dirty="0">
+                <a:solidFill>
+                  <a:schemeClr val="tx1"/>
+                </a:solidFill>
+                <a:effectLst/>
+                <a:latin typeface="+mn-lt"/>
+                <a:ea typeface="+mn-ea"/>
+                <a:cs typeface="+mn-cs"/>
+              </a:rPr>
+              <a:t>statistic=0.8661337463567835, </a:t>
+            </a:r>
+            <a:r>
+              <a:rPr lang="en-US" sz="1200" kern="1200" dirty="0" err="1">
+                <a:solidFill>
+                  <a:schemeClr val="tx1"/>
+                </a:solidFill>
+                <a:effectLst/>
+                <a:latin typeface="+mn-lt"/>
+                <a:ea typeface="+mn-ea"/>
+                <a:cs typeface="+mn-cs"/>
+              </a:rPr>
+              <a:t>pvalue</a:t>
+            </a:r>
+            <a:r>
+              <a:rPr lang="en-US" sz="1200" kern="1200" dirty="0">
+                <a:solidFill>
+                  <a:schemeClr val="tx1"/>
+                </a:solidFill>
+                <a:effectLst/>
+                <a:latin typeface="+mn-lt"/>
+                <a:ea typeface="+mn-ea"/>
+                <a:cs typeface="+mn-cs"/>
+              </a:rPr>
+              <a:t>=0.45816872413662013)</a:t>
+            </a:r>
+          </a:p>
+          <a:p>
+            <a:pPr marL="0" marR="0" indent="0" algn="l" defTabSz="457200" rtl="0" eaLnBrk="1" fontAlgn="auto" latinLnBrk="0" hangingPunct="1">
+              <a:lnSpc>
+                <a:spcPct val="100000"/>
+              </a:lnSpc>
+              <a:spcBef>
+                <a:spcPts val="0"/>
+              </a:spcBef>
+              <a:spcAft>
+                <a:spcPts val="0"/>
+              </a:spcAft>
+              <a:buClrTx/>
+              <a:buSzTx/>
+              <a:buFontTx/>
+              <a:buNone/>
+              <a:tabLst/>
+              <a:defRPr/>
+            </a:pPr>
+            <a:endParaRPr lang="en-US" sz="1200" kern="1200" dirty="0">
+              <a:solidFill>
+                <a:schemeClr val="tx1"/>
+              </a:solidFill>
+              <a:effectLst/>
+              <a:latin typeface="+mn-lt"/>
+              <a:ea typeface="+mn-ea"/>
+              <a:cs typeface="+mn-cs"/>
+            </a:endParaRPr>
+          </a:p>
+          <a:p>
+            <a:pPr marL="0" marR="0" indent="0" algn="l" defTabSz="457200" rtl="0" eaLnBrk="1" fontAlgn="auto" latinLnBrk="0" hangingPunct="1">
+              <a:lnSpc>
+                <a:spcPct val="100000"/>
+              </a:lnSpc>
+              <a:spcBef>
+                <a:spcPts val="0"/>
+              </a:spcBef>
+              <a:spcAft>
+                <a:spcPts val="0"/>
+              </a:spcAft>
+              <a:buClrTx/>
+              <a:buSzTx/>
+              <a:buFontTx/>
+              <a:buNone/>
+              <a:tabLst/>
+              <a:defRPr/>
+            </a:pPr>
+            <a:r>
+              <a:rPr lang="en-US" sz="1200" kern="1200" dirty="0">
+                <a:solidFill>
+                  <a:schemeClr val="tx1"/>
+                </a:solidFill>
+                <a:effectLst/>
+                <a:latin typeface="+mn-lt"/>
+                <a:ea typeface="+mn-ea"/>
+                <a:cs typeface="+mn-cs"/>
+              </a:rPr>
+              <a:t>(Since</a:t>
+            </a:r>
+            <a:r>
+              <a:rPr lang="en-US" sz="1200" kern="1200" baseline="0" dirty="0">
+                <a:solidFill>
+                  <a:schemeClr val="tx1"/>
+                </a:solidFill>
+                <a:effectLst/>
+                <a:latin typeface="+mn-lt"/>
+                <a:ea typeface="+mn-ea"/>
+                <a:cs typeface="+mn-cs"/>
+              </a:rPr>
+              <a:t> our p-value is 0.45 which is greater than 0.05, we will accept our null hypothesis, so price does not have an affect on rating.</a:t>
+            </a:r>
+            <a:endParaRPr lang="en-US" sz="1200" kern="1200" dirty="0">
+              <a:solidFill>
+                <a:schemeClr val="tx1"/>
+              </a:solidFill>
+              <a:effectLst/>
+              <a:latin typeface="+mn-lt"/>
+              <a:ea typeface="+mn-ea"/>
+              <a:cs typeface="+mn-cs"/>
+            </a:endParaRPr>
+          </a:p>
+          <a:p>
+            <a:pPr marL="0" marR="0" indent="0" algn="l" defTabSz="457200" rtl="0" eaLnBrk="1" fontAlgn="auto" latinLnBrk="0" hangingPunct="1">
+              <a:lnSpc>
+                <a:spcPct val="100000"/>
+              </a:lnSpc>
+              <a:spcBef>
+                <a:spcPts val="0"/>
+              </a:spcBef>
+              <a:spcAft>
+                <a:spcPts val="0"/>
+              </a:spcAft>
+              <a:buClrTx/>
+              <a:buSzTx/>
+              <a:buFontTx/>
+              <a:buNone/>
+              <a:tabLst/>
+              <a:defRPr/>
+            </a:pPr>
+            <a:endParaRPr lang="en-US" sz="1200" kern="1200" dirty="0">
+              <a:solidFill>
+                <a:schemeClr val="tx1"/>
+              </a:solidFill>
+              <a:effectLst/>
+              <a:latin typeface="+mn-lt"/>
+              <a:ea typeface="+mn-ea"/>
+              <a:cs typeface="+mn-cs"/>
+            </a:endParaRPr>
+          </a:p>
+          <a:p>
+            <a:pPr marL="0" marR="0" indent="0" algn="l" defTabSz="457200" rtl="0" eaLnBrk="1" fontAlgn="auto" latinLnBrk="0" hangingPunct="1">
+              <a:lnSpc>
+                <a:spcPct val="100000"/>
+              </a:lnSpc>
+              <a:spcBef>
+                <a:spcPts val="0"/>
+              </a:spcBef>
+              <a:spcAft>
+                <a:spcPts val="0"/>
+              </a:spcAft>
+              <a:buClrTx/>
+              <a:buSzTx/>
+              <a:buFontTx/>
+              <a:buNone/>
+              <a:tabLst/>
+              <a:defRPr/>
+            </a:pPr>
+            <a:endParaRPr lang="en-US" sz="1200" kern="1200" dirty="0">
+              <a:solidFill>
+                <a:schemeClr val="tx1"/>
+              </a:solidFill>
+              <a:effectLst/>
+              <a:latin typeface="+mn-lt"/>
+              <a:ea typeface="+mn-ea"/>
+              <a:cs typeface="+mn-cs"/>
+            </a:endParaRPr>
+          </a:p>
+          <a:p>
             <a:endParaRPr lang="en-US" dirty="0"/>
           </a:p>
         </p:txBody>
@@ -558,7 +791,7 @@
           <a:p>
             <a:fld id="{751F299D-B854-6D4C-A118-A06EB4F248F5}" type="slidenum">
               <a:rPr lang="en-US" smtClean="0"/>
-              <a:t>3</a:t>
+              <a:t>4</a:t>
             </a:fld>
             <a:endParaRPr lang="en-US"/>
           </a:p>
@@ -567,7 +800,7 @@
     </p:spTree>
     <p:extLst>
       <p:ext uri="{BB962C8B-B14F-4D97-AF65-F5344CB8AC3E}">
-        <p14:creationId xmlns:p14="http://schemas.microsoft.com/office/powerpoint/2010/main" val="538115994"/>
+        <p14:creationId xmlns:p14="http://schemas.microsoft.com/office/powerpoint/2010/main" val="4171957048"/>
       </p:ext>
     </p:extLst>
   </p:cSld>
@@ -648,7 +881,7 @@
                 <a:ea typeface="+mn-ea"/>
                 <a:cs typeface="+mn-cs"/>
               </a:rPr>
-              <a:t>Cleveland:</a:t>
+              <a:t>St.</a:t>
             </a:r>
             <a:r>
               <a:rPr lang="en-US" sz="1200" kern="1200" baseline="0" dirty="0">
@@ -660,7 +893,7 @@
                 <a:ea typeface="+mn-ea"/>
                 <a:cs typeface="+mn-cs"/>
               </a:rPr>
-              <a:t>  F </a:t>
+              <a:t> Paul: F </a:t>
             </a:r>
             <a:r>
               <a:rPr lang="en-US" sz="1200" kern="1200" baseline="0" dirty="0" err="1">
@@ -684,7 +917,7 @@
                 <a:ea typeface="+mn-ea"/>
                 <a:cs typeface="+mn-cs"/>
               </a:rPr>
-              <a:t>(</a:t>
+              <a:t> (</a:t>
             </a:r>
             <a:r>
               <a:rPr lang="en-US" sz="1200" kern="1200" dirty="0">
@@ -696,7 +929,7 @@
                 <a:ea typeface="+mn-ea"/>
                 <a:cs typeface="+mn-cs"/>
               </a:rPr>
-              <a:t>statistic=0.8661337463567835, </a:t>
+              <a:t>statistic=7.385650681591276, </a:t>
             </a:r>
             <a:r>
               <a:rPr lang="en-US" sz="1200" kern="1200" dirty="0" err="1">
@@ -720,144 +953,8 @@
                 <a:ea typeface="+mn-ea"/>
                 <a:cs typeface="+mn-cs"/>
               </a:rPr>
-              <a:t>=0.45816872413662013)</a:t>
-            </a:r>
-          </a:p>
-          <a:p>
-            <a:pPr marL="0" marR="0" indent="0" algn="l" defTabSz="457200" rtl="0" eaLnBrk="1" fontAlgn="auto" latinLnBrk="0" hangingPunct="1">
-              <a:lnSpc>
-                <a:spcPct val="100000"/>
-              </a:lnSpc>
-              <a:spcBef>
-                <a:spcPts val="0"/>
-              </a:spcBef>
-              <a:spcAft>
-                <a:spcPts val="0"/>
-              </a:spcAft>
-              <a:buClrTx/>
-              <a:buSzTx/>
-              <a:buFontTx/>
-              <a:buNone/>
-              <a:tabLst/>
-              <a:defRPr/>
-            </a:pPr>
-            <a:endParaRPr lang="en-US" sz="1200" kern="1200" dirty="0">
-              <a:solidFill>
-                <a:schemeClr val="tx1"/>
-              </a:solidFill>
-              <a:effectLst/>
-              <a:latin typeface="+mn-lt"/>
-              <a:ea typeface="+mn-ea"/>
-              <a:cs typeface="+mn-cs"/>
-            </a:endParaRPr>
-          </a:p>
-          <a:p>
-            <a:pPr marL="0" marR="0" indent="0" algn="l" defTabSz="457200" rtl="0" eaLnBrk="1" fontAlgn="auto" latinLnBrk="0" hangingPunct="1">
-              <a:lnSpc>
-                <a:spcPct val="100000"/>
-              </a:lnSpc>
-              <a:spcBef>
-                <a:spcPts val="0"/>
-              </a:spcBef>
-              <a:spcAft>
-                <a:spcPts val="0"/>
-              </a:spcAft>
-              <a:buClrTx/>
-              <a:buSzTx/>
-              <a:buFontTx/>
-              <a:buNone/>
-              <a:tabLst/>
-              <a:defRPr/>
-            </a:pPr>
-            <a:r>
-              <a:rPr lang="en-US" sz="1200" kern="1200" dirty="0">
-                <a:solidFill>
-                  <a:schemeClr val="tx1"/>
-                </a:solidFill>
-                <a:effectLst/>
-                <a:latin typeface="+mn-lt"/>
-                <a:ea typeface="+mn-ea"/>
-                <a:cs typeface="+mn-cs"/>
-              </a:rPr>
-              <a:t>(Since</a:t>
-            </a:r>
-            <a:r>
-              <a:rPr lang="en-US" sz="1200" kern="1200" baseline="0" dirty="0">
-                <a:solidFill>
-                  <a:schemeClr val="tx1"/>
-                </a:solidFill>
-                <a:effectLst/>
-                <a:latin typeface="+mn-lt"/>
-                <a:ea typeface="+mn-ea"/>
-                <a:cs typeface="+mn-cs"/>
-              </a:rPr>
-              <a:t> our p-value is 0.45 which is greater than 0.05, we will accept our null hypothesis, so price does not have an affect on rating.</a:t>
-            </a:r>
-            <a:endParaRPr lang="en-US" sz="1200" kern="1200" dirty="0">
-              <a:solidFill>
-                <a:schemeClr val="tx1"/>
-              </a:solidFill>
-              <a:effectLst/>
-              <a:latin typeface="+mn-lt"/>
-              <a:ea typeface="+mn-ea"/>
-              <a:cs typeface="+mn-cs"/>
-            </a:endParaRPr>
-          </a:p>
-          <a:p>
-            <a:pPr marL="0" marR="0" indent="0" algn="l" defTabSz="457200" rtl="0" eaLnBrk="1" fontAlgn="auto" latinLnBrk="0" hangingPunct="1">
-              <a:lnSpc>
-                <a:spcPct val="100000"/>
-              </a:lnSpc>
-              <a:spcBef>
-                <a:spcPts val="0"/>
-              </a:spcBef>
-              <a:spcAft>
-                <a:spcPts val="0"/>
-              </a:spcAft>
-              <a:buClrTx/>
-              <a:buSzTx/>
-              <a:buFontTx/>
-              <a:buNone/>
-              <a:tabLst/>
-              <a:defRPr/>
-            </a:pPr>
-            <a:endParaRPr lang="en-US" sz="1200" kern="1200" dirty="0">
-              <a:solidFill>
-                <a:schemeClr val="tx1"/>
-              </a:solidFill>
-              <a:effectLst/>
-              <a:latin typeface="+mn-lt"/>
-              <a:ea typeface="+mn-ea"/>
-              <a:cs typeface="+mn-cs"/>
-            </a:endParaRPr>
-          </a:p>
-          <a:p>
-            <a:pPr marL="0" marR="0" indent="0" algn="l" defTabSz="457200" rtl="0" eaLnBrk="1" fontAlgn="auto" latinLnBrk="0" hangingPunct="1">
-              <a:lnSpc>
-                <a:spcPct val="100000"/>
-              </a:lnSpc>
-              <a:spcBef>
-                <a:spcPts val="0"/>
-              </a:spcBef>
-              <a:spcAft>
-                <a:spcPts val="0"/>
-              </a:spcAft>
-              <a:buClrTx/>
-              <a:buSzTx/>
-              <a:buFontTx/>
-              <a:buNone/>
-              <a:tabLst/>
-              <a:defRPr/>
-            </a:pPr>
-            <a:endParaRPr lang="en-US" sz="1200" kern="1200" dirty="0">
-              <a:solidFill>
-                <a:schemeClr val="tx1"/>
-              </a:solidFill>
-              <a:effectLst/>
-              <a:latin typeface="+mn-lt"/>
-              <a:ea typeface="+mn-ea"/>
-              <a:cs typeface="+mn-cs"/>
-            </a:endParaRPr>
+              <a:t>=6.802371940731888e-05)</a:t>
+            </a:r>
           </a:p>
           <a:p>
             <a:endParaRPr lang="en-US" dirty="0"/>
@@ -890,7 +987,7 @@
     </p:spTree>
     <p:extLst>
       <p:ext uri="{BB962C8B-B14F-4D97-AF65-F5344CB8AC3E}">
-        <p14:creationId xmlns:p14="http://schemas.microsoft.com/office/powerpoint/2010/main" val="4171957048"/>
+        <p14:creationId xmlns:p14="http://schemas.microsoft.com/office/powerpoint/2010/main" val="488403538"/>
       </p:ext>
     </p:extLst>
   </p:cSld>
@@ -983,7 +1080,7 @@
                 <a:ea typeface="+mn-ea"/>
                 <a:cs typeface="+mn-cs"/>
               </a:rPr>
-              <a:t> Paul: F </a:t>
+              <a:t> Louis: F </a:t>
             </a:r>
             <a:r>
               <a:rPr lang="en-US" sz="1200" kern="1200" baseline="0" dirty="0" err="1">
@@ -1007,7 +1104,7 @@
                 <a:ea typeface="+mn-ea"/>
                 <a:cs typeface="+mn-cs"/>
               </a:rPr>
-              <a:t> (</a:t>
+              <a:t>(</a:t>
             </a:r>
             <a:r>
               <a:rPr lang="en-US" sz="1200" kern="1200" dirty="0">
@@ -1019,7 +1116,7 @@
                 <a:ea typeface="+mn-ea"/>
                 <a:cs typeface="+mn-cs"/>
               </a:rPr>
-              <a:t>statistic=7.385650681591276, </a:t>
+              <a:t>statistic=8.71055680049366, </a:t>
             </a:r>
             <a:r>
               <a:rPr lang="en-US" sz="1200" kern="1200" dirty="0" err="1">
@@ -1043,7 +1140,7 @@
                 <a:ea typeface="+mn-ea"/>
                 <a:cs typeface="+mn-cs"/>
               </a:rPr>
-              <a:t>=6.802371940731888e-05)</a:t>
+              <a:t>=1.0531307945525159e-05)</a:t>
             </a:r>
           </a:p>
           <a:p>
@@ -1077,7 +1174,7 @@
     </p:spTree>
     <p:extLst>
       <p:ext uri="{BB962C8B-B14F-4D97-AF65-F5344CB8AC3E}">
-        <p14:creationId xmlns:p14="http://schemas.microsoft.com/office/powerpoint/2010/main" val="488403538"/>
+        <p14:creationId xmlns:p14="http://schemas.microsoft.com/office/powerpoint/2010/main" val="786553215"/>
       </p:ext>
     </p:extLst>
   </p:cSld>
@@ -1131,109 +1228,14 @@
           <a:bodyPr/>
           <a:lstStyle/>
           <a:p>
-            <a:pPr marL="0" marR="0" indent="0" algn="l" defTabSz="457200" rtl="0" eaLnBrk="1" fontAlgn="auto" latinLnBrk="0" hangingPunct="1">
-              <a:lnSpc>
-                <a:spcPct val="100000"/>
-              </a:lnSpc>
-              <a:spcBef>
-                <a:spcPts val="0"/>
-              </a:spcBef>
-              <a:spcAft>
-                <a:spcPts val="0"/>
-              </a:spcAft>
-              <a:buClrTx/>
-              <a:buSzTx/>
-              <a:buFontTx/>
-              <a:buNone/>
-              <a:tabLst/>
-              <a:defRPr/>
-            </a:pPr>
-            <a:r>
-              <a:rPr lang="en-US" sz="1200" kern="1200" dirty="0">
-                <a:solidFill>
-                  <a:schemeClr val="tx1"/>
-                </a:solidFill>
-                <a:effectLst/>
-                <a:latin typeface="+mn-lt"/>
-                <a:ea typeface="+mn-ea"/>
-                <a:cs typeface="+mn-cs"/>
-              </a:rPr>
-              <a:t>St.</a:t>
-            </a:r>
-            <a:r>
-              <a:rPr lang="en-US" sz="1200" kern="1200" baseline="0" dirty="0">
-                <a:solidFill>
-                  <a:schemeClr val="tx1"/>
-                </a:solidFill>
-                <a:effectLst/>
-                <a:latin typeface="+mn-lt"/>
-                <a:ea typeface="+mn-ea"/>
-                <a:cs typeface="+mn-cs"/>
-              </a:rPr>
-              <a:t> Louis: F </a:t>
-            </a:r>
-            <a:r>
-              <a:rPr lang="en-US" sz="1200" kern="1200" baseline="0" dirty="0" err="1">
-                <a:solidFill>
-                  <a:schemeClr val="tx1"/>
-                </a:solidFill>
-                <a:effectLst/>
-                <a:latin typeface="+mn-lt"/>
-                <a:ea typeface="+mn-ea"/>
-                <a:cs typeface="+mn-cs"/>
-              </a:rPr>
-              <a:t>onewayResult</a:t>
-            </a:r>
-            <a:r>
-              <a:rPr lang="en-US" sz="1200" kern="1200" baseline="0" dirty="0">
-                <a:solidFill>
-                  <a:schemeClr val="tx1"/>
-                </a:solidFill>
-                <a:effectLst/>
-                <a:latin typeface="+mn-lt"/>
-                <a:ea typeface="+mn-ea"/>
-                <a:cs typeface="+mn-cs"/>
-              </a:rPr>
-              <a:t>(</a:t>
-            </a:r>
-            <a:r>
-              <a:rPr lang="en-US" sz="1200" kern="1200" dirty="0">
-                <a:solidFill>
-                  <a:schemeClr val="tx1"/>
-                </a:solidFill>
-                <a:effectLst/>
-                <a:latin typeface="+mn-lt"/>
-                <a:ea typeface="+mn-ea"/>
-                <a:cs typeface="+mn-cs"/>
-              </a:rPr>
-              <a:t>statistic=8.71055680049366, </a:t>
-            </a:r>
-            <a:r>
-              <a:rPr lang="en-US" sz="1200" kern="1200" dirty="0" err="1">
-                <a:solidFill>
-                  <a:schemeClr val="tx1"/>
-                </a:solidFill>
-                <a:effectLst/>
-                <a:latin typeface="+mn-lt"/>
-                <a:ea typeface="+mn-ea"/>
-                <a:cs typeface="+mn-cs"/>
-              </a:rPr>
-              <a:t>pvalue</a:t>
-            </a:r>
-            <a:r>
-              <a:rPr lang="en-US" sz="1200" kern="1200" dirty="0">
-                <a:solidFill>
-                  <a:schemeClr val="tx1"/>
-                </a:solidFill>
-                <a:effectLst/>
-                <a:latin typeface="+mn-lt"/>
-                <a:ea typeface="+mn-ea"/>
-                <a:cs typeface="+mn-cs"/>
-              </a:rPr>
-              <a:t>=1.0531307945525159e-05)</a:t>
-            </a:r>
-          </a:p>
-          <a:p>
+            <a:r>
+              <a:rPr lang="en-US" dirty="0"/>
+              <a:t>Scatter plots show how much one variable is affected by another.</a:t>
+            </a:r>
+            <a:r>
+              <a:rPr lang="en-US" baseline="0" dirty="0"/>
+              <a:t>  Neither a negative or a positive correlation could be determined by this data.  The dataset for the X- axis, representing price, was a range of numbers between 1 and 4 ($1 to $4).  Numbers from 1 to 5 represent star rating.  The small difference between between numbers made it difficult to show an effect between variables.</a:t>
+            </a:r>
             <a:endParaRPr lang="en-US" dirty="0"/>
           </a:p>
         </p:txBody>
@@ -1255,7 +1257,7 @@
           <a:p>
             <a:fld id="{751F299D-B854-6D4C-A118-A06EB4F248F5}" type="slidenum">
               <a:rPr lang="en-US" smtClean="0"/>
-              <a:t>7</a:t>
+              <a:t>11</a:t>
             </a:fld>
             <a:endParaRPr lang="en-US"/>
           </a:p>
@@ -1264,7 +1266,7 @@
     </p:spTree>
     <p:extLst>
       <p:ext uri="{BB962C8B-B14F-4D97-AF65-F5344CB8AC3E}">
-        <p14:creationId xmlns:p14="http://schemas.microsoft.com/office/powerpoint/2010/main" val="786553215"/>
+        <p14:creationId xmlns:p14="http://schemas.microsoft.com/office/powerpoint/2010/main" val="538115994"/>
       </p:ext>
     </p:extLst>
   </p:cSld>
@@ -6718,99 +6720,6 @@
           <p:cNvPr id="2" name="Title 1">
             <a:extLst>
               <a:ext uri="{FF2B5EF4-FFF2-40B4-BE49-F238E27FC236}">
-                <a16:creationId xmlns:a16="http://schemas.microsoft.com/office/drawing/2014/main" id="{C6C55605-53D1-4F9F-A7F1-7EE38C17F274}"/>
-              </a:ext>
-            </a:extLst>
-          </p:cNvPr>
-          <p:cNvSpPr>
-            <a:spLocks noGrp="1"/>
-          </p:cNvSpPr>
-          <p:nvPr>
-            <p:ph type="title"/>
-          </p:nvPr>
-        </p:nvSpPr>
-        <p:spPr/>
-        <p:txBody>
-          <a:bodyPr/>
-          <a:lstStyle/>
-          <a:p>
-            <a:r>
-              <a:rPr lang="en-US" dirty="0"/>
-              <a:t>Cincinnati Box Plot</a:t>
-            </a:r>
-          </a:p>
-        </p:txBody>
-      </p:sp>
-      <p:pic>
-        <p:nvPicPr>
-          <p:cNvPr id="9" name="Content Placeholder 8">
-            <a:extLst>
-              <a:ext uri="{FF2B5EF4-FFF2-40B4-BE49-F238E27FC236}">
-                <a16:creationId xmlns:a16="http://schemas.microsoft.com/office/drawing/2014/main" id="{C9DA0FE0-A1F6-457E-A111-2C7864155744}"/>
-              </a:ext>
-            </a:extLst>
-          </p:cNvPr>
-          <p:cNvPicPr>
-            <a:picLocks noGrp="1" noChangeAspect="1"/>
-          </p:cNvPicPr>
-          <p:nvPr>
-            <p:ph idx="1"/>
-          </p:nvPr>
-        </p:nvPicPr>
-        <p:blipFill>
-          <a:blip r:embed="rId2">
-            <a:extLst>
-              <a:ext uri="{28A0092B-C50C-407E-A947-70E740481C1C}">
-                <a14:useLocalDpi xmlns:a14="http://schemas.microsoft.com/office/drawing/2010/main" val="0"/>
-              </a:ext>
-            </a:extLst>
-          </a:blip>
-          <a:stretch>
-            <a:fillRect/>
-          </a:stretch>
-        </p:blipFill>
-        <p:spPr>
-          <a:xfrm>
-            <a:off x="803164" y="1828800"/>
-            <a:ext cx="7536084" cy="4208463"/>
-          </a:xfrm>
-        </p:spPr>
-      </p:pic>
-    </p:spTree>
-    <p:extLst>
-      <p:ext uri="{BB962C8B-B14F-4D97-AF65-F5344CB8AC3E}">
-        <p14:creationId xmlns:p14="http://schemas.microsoft.com/office/powerpoint/2010/main" val="76047468"/>
-      </p:ext>
-    </p:extLst>
-  </p:cSld>
-  <p:clrMapOvr>
-    <a:masterClrMapping/>
-  </p:clrMapOvr>
-</p:sld>
-</file>
-
-<file path=ppt/slides/slide11.xml><?xml version="1.0" encoding="utf-8"?>
-<p:sld xmlns:a="http://schemas.openxmlformats.org/drawingml/2006/main" xmlns:r="http://schemas.openxmlformats.org/officeDocument/2006/relationships" xmlns:p="http://schemas.openxmlformats.org/presentationml/2006/main">
-  <p:cSld>
-    <p:spTree>
-      <p:nvGrpSpPr>
-        <p:cNvPr id="1" name=""/>
-        <p:cNvGrpSpPr/>
-        <p:nvPr/>
-      </p:nvGrpSpPr>
-      <p:grpSpPr>
-        <a:xfrm>
-          <a:off x="0" y="0"/>
-          <a:ext cx="0" cy="0"/>
-          <a:chOff x="0" y="0"/>
-          <a:chExt cx="0" cy="0"/>
-        </a:xfrm>
-      </p:grpSpPr>
-      <p:sp>
-        <p:nvSpPr>
-          <p:cNvPr id="2" name="Title 1">
-            <a:extLst>
-              <a:ext uri="{FF2B5EF4-FFF2-40B4-BE49-F238E27FC236}">
                 <a16:creationId xmlns:a16="http://schemas.microsoft.com/office/drawing/2014/main" id="{EF8A6ABB-79D9-4AF8-ABAB-126ADF988DAC}"/>
               </a:ext>
             </a:extLst>
@@ -6883,6 +6792,46 @@
           </a:extLst>
         </p:spPr>
       </p:pic>
+      <p:sp>
+        <p:nvSpPr>
+          <p:cNvPr id="3" name="TextBox 2">
+            <a:extLst>
+              <a:ext uri="{FF2B5EF4-FFF2-40B4-BE49-F238E27FC236}">
+                <a16:creationId xmlns:a16="http://schemas.microsoft.com/office/drawing/2014/main" id="{AC825184-6662-49E5-9F58-699B242C7415}"/>
+              </a:ext>
+            </a:extLst>
+          </p:cNvPr>
+          <p:cNvSpPr txBox="1"/>
+          <p:nvPr/>
+        </p:nvSpPr>
+        <p:spPr>
+          <a:xfrm>
+            <a:off x="1207008" y="6037263"/>
+            <a:ext cx="4486656" cy="369332"/>
+          </a:xfrm>
+          <a:prstGeom prst="rect">
+            <a:avLst/>
+          </a:prstGeom>
+          <a:noFill/>
+        </p:spPr>
+        <p:txBody>
+          <a:bodyPr wrap="square" rtlCol="0">
+            <a:spAutoFit/>
+          </a:bodyPr>
+          <a:lstStyle/>
+          <a:p>
+            <a:r>
+              <a:rPr lang="en-US" dirty="0">
+                <a:solidFill>
+                  <a:schemeClr val="bg1"/>
+                </a:solidFill>
+              </a:rPr>
+              <a:t>P-value: 5.414948758580707e-05</a:t>
+            </a:r>
+            <a:endParaRPr lang="en-US" dirty="0"/>
+          </a:p>
+        </p:txBody>
+      </p:sp>
     </p:spTree>
     <p:extLst>
       <p:ext uri="{BB962C8B-B14F-4D97-AF65-F5344CB8AC3E}">
@@ -6896,128 +6845,7 @@
 </p:sld>
 </file>
 
-<file path=ppt/slides/slide2.xml><?xml version="1.0" encoding="utf-8"?>
-<p:sld xmlns:a="http://schemas.openxmlformats.org/drawingml/2006/main" xmlns:r="http://schemas.openxmlformats.org/officeDocument/2006/relationships" xmlns:p="http://schemas.openxmlformats.org/presentationml/2006/main">
-  <p:cSld>
-    <p:spTree>
-      <p:nvGrpSpPr>
-        <p:cNvPr id="1" name=""/>
-        <p:cNvGrpSpPr/>
-        <p:nvPr/>
-      </p:nvGrpSpPr>
-      <p:grpSpPr>
-        <a:xfrm>
-          <a:off x="0" y="0"/>
-          <a:ext cx="0" cy="0"/>
-          <a:chOff x="0" y="0"/>
-          <a:chExt cx="0" cy="0"/>
-        </a:xfrm>
-      </p:grpSpPr>
-      <p:sp>
-        <p:nvSpPr>
-          <p:cNvPr id="2" name="Title 1"/>
-          <p:cNvSpPr>
-            <a:spLocks noGrp="1"/>
-          </p:cNvSpPr>
-          <p:nvPr>
-            <p:ph type="title"/>
-          </p:nvPr>
-        </p:nvSpPr>
-        <p:spPr/>
-        <p:txBody>
-          <a:bodyPr/>
-          <a:lstStyle/>
-          <a:p>
-            <a:r>
-              <a:rPr lang="en-US" dirty="0"/>
-              <a:t>Research Question:</a:t>
-            </a:r>
-          </a:p>
-        </p:txBody>
-      </p:sp>
-      <p:sp>
-        <p:nvSpPr>
-          <p:cNvPr id="3" name="Content Placeholder 2"/>
-          <p:cNvSpPr>
-            <a:spLocks noGrp="1"/>
-          </p:cNvSpPr>
-          <p:nvPr>
-            <p:ph idx="1"/>
-          </p:nvPr>
-        </p:nvSpPr>
-        <p:spPr/>
-        <p:txBody>
-          <a:bodyPr>
-            <a:normAutofit fontScale="70000" lnSpcReduction="20000"/>
-          </a:bodyPr>
-          <a:lstStyle/>
-          <a:p>
-            <a:pPr marL="0" indent="0">
-              <a:buNone/>
-            </a:pPr>
-            <a:r>
-              <a:rPr lang="en-US" sz="4600" dirty="0"/>
-              <a:t>Is there a relationship between Yelp rating and price point? </a:t>
-            </a:r>
-          </a:p>
-          <a:p>
-            <a:pPr marL="0" indent="0">
-              <a:buNone/>
-            </a:pPr>
-            <a:endParaRPr lang="en-US" sz="3200" dirty="0"/>
-          </a:p>
-          <a:p>
-            <a:r>
-              <a:rPr lang="en-US" sz="3200" dirty="0"/>
-              <a:t>Are businesses with more stars more expensive?</a:t>
-            </a:r>
-          </a:p>
-          <a:p>
-            <a:r>
-              <a:rPr lang="en-US" sz="3200" dirty="0"/>
-              <a:t>Are businesses with less stars less expensive?</a:t>
-            </a:r>
-          </a:p>
-          <a:p>
-            <a:r>
-              <a:rPr lang="en-US" sz="3200" dirty="0"/>
-              <a:t>Can businesses with more stars increase their prices?</a:t>
-            </a:r>
-          </a:p>
-          <a:p>
-            <a:pPr marL="0" indent="0">
-              <a:buNone/>
-            </a:pPr>
-            <a:endParaRPr lang="en-US" sz="3200" dirty="0"/>
-          </a:p>
-          <a:p>
-            <a:pPr marL="0" indent="0">
-              <a:buNone/>
-            </a:pPr>
-            <a:r>
-              <a:rPr lang="en-US" sz="3200" dirty="0"/>
-              <a:t> </a:t>
-            </a:r>
-          </a:p>
-          <a:p>
-            <a:endParaRPr lang="en-US" dirty="0"/>
-          </a:p>
-        </p:txBody>
-      </p:sp>
-    </p:spTree>
-    <p:extLst>
-      <p:ext uri="{BB962C8B-B14F-4D97-AF65-F5344CB8AC3E}">
-        <p14:creationId xmlns:p14="http://schemas.microsoft.com/office/powerpoint/2010/main" val="1506128523"/>
-      </p:ext>
-    </p:extLst>
-  </p:cSld>
-  <p:clrMapOvr>
-    <a:masterClrMapping/>
-  </p:clrMapOvr>
-</p:sld>
-</file>
-
-<file path=ppt/slides/slide3.xml><?xml version="1.0" encoding="utf-8"?>
+<file path=ppt/slides/slide11.xml><?xml version="1.0" encoding="utf-8"?>
 <p:sld xmlns:a="http://schemas.openxmlformats.org/drawingml/2006/main" xmlns:r="http://schemas.openxmlformats.org/officeDocument/2006/relationships" xmlns:p="http://schemas.openxmlformats.org/presentationml/2006/main">
   <p:cSld>
     <p:spTree>
@@ -7094,7 +6922,7 @@
 </p:sld>
 </file>
 
-<file path=ppt/slides/slide4.xml><?xml version="1.0" encoding="utf-8"?>
+<file path=ppt/slides/slide12.xml><?xml version="1.0" encoding="utf-8"?>
 <p:sld xmlns:a="http://schemas.openxmlformats.org/drawingml/2006/main" xmlns:r="http://schemas.openxmlformats.org/officeDocument/2006/relationships" xmlns:p="http://schemas.openxmlformats.org/presentationml/2006/main">
   <p:cSld>
     <p:spTree>
@@ -7240,6 +7068,444 @@
 </p:sld>
 </file>
 
+<file path=ppt/slides/slide13.xml><?xml version="1.0" encoding="utf-8"?>
+<p:sld xmlns:a="http://schemas.openxmlformats.org/drawingml/2006/main" xmlns:r="http://schemas.openxmlformats.org/officeDocument/2006/relationships" xmlns:p="http://schemas.openxmlformats.org/presentationml/2006/main">
+  <p:cSld>
+    <p:spTree>
+      <p:nvGrpSpPr>
+        <p:cNvPr id="1" name=""/>
+        <p:cNvGrpSpPr/>
+        <p:nvPr/>
+      </p:nvGrpSpPr>
+      <p:grpSpPr>
+        <a:xfrm>
+          <a:off x="0" y="0"/>
+          <a:ext cx="0" cy="0"/>
+          <a:chOff x="0" y="0"/>
+          <a:chExt cx="0" cy="0"/>
+        </a:xfrm>
+      </p:grpSpPr>
+      <p:sp>
+        <p:nvSpPr>
+          <p:cNvPr id="2" name="Title 1">
+            <a:extLst>
+              <a:ext uri="{FF2B5EF4-FFF2-40B4-BE49-F238E27FC236}">
+                <a16:creationId xmlns:a16="http://schemas.microsoft.com/office/drawing/2014/main" id="{D2294C08-6552-45CD-BC5D-456B9F0C8FC3}"/>
+              </a:ext>
+            </a:extLst>
+          </p:cNvPr>
+          <p:cNvSpPr>
+            <a:spLocks noGrp="1"/>
+          </p:cNvSpPr>
+          <p:nvPr>
+            <p:ph type="title"/>
+          </p:nvPr>
+        </p:nvSpPr>
+        <p:spPr/>
+        <p:txBody>
+          <a:bodyPr/>
+          <a:lstStyle/>
+          <a:p>
+            <a:r>
+              <a:rPr lang="en-US" dirty="0"/>
+              <a:t>Conclusions</a:t>
+            </a:r>
+          </a:p>
+        </p:txBody>
+      </p:sp>
+      <p:sp>
+        <p:nvSpPr>
+          <p:cNvPr id="3" name="Content Placeholder 2">
+            <a:extLst>
+              <a:ext uri="{FF2B5EF4-FFF2-40B4-BE49-F238E27FC236}">
+                <a16:creationId xmlns:a16="http://schemas.microsoft.com/office/drawing/2014/main" id="{53ADCF1E-9233-4DF8-8B23-A522519D8661}"/>
+              </a:ext>
+            </a:extLst>
+          </p:cNvPr>
+          <p:cNvSpPr>
+            <a:spLocks noGrp="1"/>
+          </p:cNvSpPr>
+          <p:nvPr>
+            <p:ph idx="1"/>
+          </p:nvPr>
+        </p:nvSpPr>
+        <p:spPr/>
+        <p:txBody>
+          <a:bodyPr/>
+          <a:lstStyle/>
+          <a:p>
+            <a:r>
+              <a:rPr lang="en-US" dirty="0"/>
+              <a:t>Price has no affect on rating.</a:t>
+            </a:r>
+          </a:p>
+          <a:p>
+            <a:r>
+              <a:rPr lang="en-US" dirty="0"/>
+              <a:t>Several factors affect customer satisfaction.</a:t>
+            </a:r>
+          </a:p>
+          <a:p>
+            <a:r>
+              <a:rPr lang="en-US" dirty="0"/>
+              <a:t>The more money you pay the more likely you are going to enjoy the experience.</a:t>
+            </a:r>
+          </a:p>
+        </p:txBody>
+      </p:sp>
+    </p:spTree>
+    <p:extLst>
+      <p:ext uri="{BB962C8B-B14F-4D97-AF65-F5344CB8AC3E}">
+        <p14:creationId xmlns:p14="http://schemas.microsoft.com/office/powerpoint/2010/main" val="2728695416"/>
+      </p:ext>
+    </p:extLst>
+  </p:cSld>
+  <p:clrMapOvr>
+    <a:masterClrMapping/>
+  </p:clrMapOvr>
+</p:sld>
+</file>
+
+<file path=ppt/slides/slide2.xml><?xml version="1.0" encoding="utf-8"?>
+<p:sld xmlns:a="http://schemas.openxmlformats.org/drawingml/2006/main" xmlns:r="http://schemas.openxmlformats.org/officeDocument/2006/relationships" xmlns:p="http://schemas.openxmlformats.org/presentationml/2006/main">
+  <p:cSld>
+    <p:spTree>
+      <p:nvGrpSpPr>
+        <p:cNvPr id="1" name=""/>
+        <p:cNvGrpSpPr/>
+        <p:nvPr/>
+      </p:nvGrpSpPr>
+      <p:grpSpPr>
+        <a:xfrm>
+          <a:off x="0" y="0"/>
+          <a:ext cx="0" cy="0"/>
+          <a:chOff x="0" y="0"/>
+          <a:chExt cx="0" cy="0"/>
+        </a:xfrm>
+      </p:grpSpPr>
+      <p:sp>
+        <p:nvSpPr>
+          <p:cNvPr id="2" name="Title 1">
+            <a:extLst>
+              <a:ext uri="{FF2B5EF4-FFF2-40B4-BE49-F238E27FC236}">
+                <a16:creationId xmlns:a16="http://schemas.microsoft.com/office/drawing/2014/main" id="{93E7EDE0-0B7F-4EE8-97B0-8083DA219EA3}"/>
+              </a:ext>
+            </a:extLst>
+          </p:cNvPr>
+          <p:cNvSpPr>
+            <a:spLocks noGrp="1"/>
+          </p:cNvSpPr>
+          <p:nvPr>
+            <p:ph type="title"/>
+          </p:nvPr>
+        </p:nvSpPr>
+        <p:spPr/>
+        <p:txBody>
+          <a:bodyPr/>
+          <a:lstStyle/>
+          <a:p>
+            <a:pPr algn="ctr"/>
+            <a:r>
+              <a:rPr lang="en-US" dirty="0"/>
+              <a:t>How many restaurants did we review?</a:t>
+            </a:r>
+          </a:p>
+        </p:txBody>
+      </p:sp>
+      <p:sp>
+        <p:nvSpPr>
+          <p:cNvPr id="3" name="Content Placeholder 2">
+            <a:extLst>
+              <a:ext uri="{FF2B5EF4-FFF2-40B4-BE49-F238E27FC236}">
+                <a16:creationId xmlns:a16="http://schemas.microsoft.com/office/drawing/2014/main" id="{2A0C9170-1B6F-40BC-93DE-28C363C08E27}"/>
+              </a:ext>
+            </a:extLst>
+          </p:cNvPr>
+          <p:cNvSpPr>
+            <a:spLocks noGrp="1"/>
+          </p:cNvSpPr>
+          <p:nvPr>
+            <p:ph idx="1"/>
+          </p:nvPr>
+        </p:nvSpPr>
+        <p:spPr/>
+        <p:txBody>
+          <a:bodyPr>
+            <a:normAutofit/>
+          </a:bodyPr>
+          <a:lstStyle/>
+          <a:p>
+            <a:pPr marL="0" indent="0" algn="ctr">
+              <a:buNone/>
+            </a:pPr>
+            <a:r>
+              <a:rPr lang="en-US" sz="8800" dirty="0"/>
+              <a:t>11,000</a:t>
+            </a:r>
+          </a:p>
+        </p:txBody>
+      </p:sp>
+    </p:spTree>
+    <p:extLst>
+      <p:ext uri="{BB962C8B-B14F-4D97-AF65-F5344CB8AC3E}">
+        <p14:creationId xmlns:p14="http://schemas.microsoft.com/office/powerpoint/2010/main" val="400533674"/>
+      </p:ext>
+    </p:extLst>
+  </p:cSld>
+  <p:clrMapOvr>
+    <a:masterClrMapping/>
+  </p:clrMapOvr>
+</p:sld>
+</file>
+
+<file path=ppt/slides/slide3.xml><?xml version="1.0" encoding="utf-8"?>
+<p:sld xmlns:a="http://schemas.openxmlformats.org/drawingml/2006/main" xmlns:r="http://schemas.openxmlformats.org/officeDocument/2006/relationships" xmlns:p="http://schemas.openxmlformats.org/presentationml/2006/main">
+  <p:cSld>
+    <p:spTree>
+      <p:nvGrpSpPr>
+        <p:cNvPr id="1" name=""/>
+        <p:cNvGrpSpPr/>
+        <p:nvPr/>
+      </p:nvGrpSpPr>
+      <p:grpSpPr>
+        <a:xfrm>
+          <a:off x="0" y="0"/>
+          <a:ext cx="0" cy="0"/>
+          <a:chOff x="0" y="0"/>
+          <a:chExt cx="0" cy="0"/>
+        </a:xfrm>
+      </p:grpSpPr>
+      <p:sp>
+        <p:nvSpPr>
+          <p:cNvPr id="2" name="Title 1"/>
+          <p:cNvSpPr>
+            <a:spLocks noGrp="1"/>
+          </p:cNvSpPr>
+          <p:nvPr>
+            <p:ph type="title"/>
+          </p:nvPr>
+        </p:nvSpPr>
+        <p:spPr/>
+        <p:txBody>
+          <a:bodyPr/>
+          <a:lstStyle/>
+          <a:p>
+            <a:r>
+              <a:rPr lang="en-US" dirty="0"/>
+              <a:t>Research Question:</a:t>
+            </a:r>
+          </a:p>
+        </p:txBody>
+      </p:sp>
+      <p:sp>
+        <p:nvSpPr>
+          <p:cNvPr id="3" name="Content Placeholder 2"/>
+          <p:cNvSpPr>
+            <a:spLocks noGrp="1"/>
+          </p:cNvSpPr>
+          <p:nvPr>
+            <p:ph idx="1"/>
+          </p:nvPr>
+        </p:nvSpPr>
+        <p:spPr/>
+        <p:txBody>
+          <a:bodyPr>
+            <a:normAutofit fontScale="55000" lnSpcReduction="20000"/>
+          </a:bodyPr>
+          <a:lstStyle/>
+          <a:p>
+            <a:pPr marL="0" indent="0">
+              <a:buNone/>
+            </a:pPr>
+            <a:r>
+              <a:rPr lang="en-US" sz="4600" dirty="0"/>
+              <a:t>Is there a relationship between Yelp rating and price point? </a:t>
+            </a:r>
+          </a:p>
+          <a:p>
+            <a:pPr marL="0" indent="0">
+              <a:buNone/>
+            </a:pPr>
+            <a:endParaRPr lang="en-US" sz="3200" dirty="0"/>
+          </a:p>
+          <a:p>
+            <a:r>
+              <a:rPr lang="en-US" sz="3200" dirty="0"/>
+              <a:t>Does price-level affect rating?</a:t>
+            </a:r>
+          </a:p>
+          <a:p>
+            <a:r>
+              <a:rPr lang="en-US" sz="3200" dirty="0"/>
+              <a:t>Are businesses with more stars more expensive?</a:t>
+            </a:r>
+          </a:p>
+          <a:p>
+            <a:r>
+              <a:rPr lang="en-US" sz="3200" dirty="0"/>
+              <a:t>Are businesses with less stars less expensive?</a:t>
+            </a:r>
+          </a:p>
+          <a:p>
+            <a:r>
+              <a:rPr lang="en-US" sz="3200" dirty="0"/>
+              <a:t>Can businesses with more stars increase their prices?</a:t>
+            </a:r>
+          </a:p>
+          <a:p>
+            <a:pPr marL="0" indent="0">
+              <a:buNone/>
+            </a:pPr>
+            <a:endParaRPr lang="en-US" sz="3200" dirty="0"/>
+          </a:p>
+          <a:p>
+            <a:pPr marL="0" indent="0">
+              <a:buNone/>
+            </a:pPr>
+            <a:r>
+              <a:rPr lang="en-US" sz="3200" dirty="0"/>
+              <a:t> </a:t>
+            </a:r>
+          </a:p>
+          <a:p>
+            <a:endParaRPr lang="en-US" dirty="0"/>
+          </a:p>
+        </p:txBody>
+      </p:sp>
+    </p:spTree>
+    <p:extLst>
+      <p:ext uri="{BB962C8B-B14F-4D97-AF65-F5344CB8AC3E}">
+        <p14:creationId xmlns:p14="http://schemas.microsoft.com/office/powerpoint/2010/main" val="1506128523"/>
+      </p:ext>
+    </p:extLst>
+  </p:cSld>
+  <p:clrMapOvr>
+    <a:masterClrMapping/>
+  </p:clrMapOvr>
+</p:sld>
+</file>
+
+<file path=ppt/slides/slide4.xml><?xml version="1.0" encoding="utf-8"?>
+<p:sld xmlns:a="http://schemas.openxmlformats.org/drawingml/2006/main" xmlns:r="http://schemas.openxmlformats.org/officeDocument/2006/relationships" xmlns:p="http://schemas.openxmlformats.org/presentationml/2006/main">
+  <p:cSld>
+    <p:spTree>
+      <p:nvGrpSpPr>
+        <p:cNvPr id="1" name=""/>
+        <p:cNvGrpSpPr/>
+        <p:nvPr/>
+      </p:nvGrpSpPr>
+      <p:grpSpPr>
+        <a:xfrm>
+          <a:off x="0" y="0"/>
+          <a:ext cx="0" cy="0"/>
+          <a:chOff x="0" y="0"/>
+          <a:chExt cx="0" cy="0"/>
+        </a:xfrm>
+      </p:grpSpPr>
+      <p:sp>
+        <p:nvSpPr>
+          <p:cNvPr id="2" name="Title 1"/>
+          <p:cNvSpPr>
+            <a:spLocks noGrp="1"/>
+          </p:cNvSpPr>
+          <p:nvPr>
+            <p:ph type="title"/>
+          </p:nvPr>
+        </p:nvSpPr>
+        <p:spPr/>
+        <p:txBody>
+          <a:bodyPr/>
+          <a:lstStyle/>
+          <a:p>
+            <a:r>
+              <a:rPr lang="en-US" dirty="0"/>
+              <a:t>Cleveland Box Plot</a:t>
+            </a:r>
+          </a:p>
+        </p:txBody>
+      </p:sp>
+      <p:pic>
+        <p:nvPicPr>
+          <p:cNvPr id="4" name="Content Placeholder 3" descr="CLEBoxPlot.png"/>
+          <p:cNvPicPr>
+            <a:picLocks noGrp="1" noChangeAspect="1"/>
+          </p:cNvPicPr>
+          <p:nvPr>
+            <p:ph idx="1"/>
+          </p:nvPr>
+        </p:nvPicPr>
+        <p:blipFill>
+          <a:blip r:embed="rId3" cstate="email">
+            <a:extLst>
+              <a:ext uri="{28A0092B-C50C-407E-A947-70E740481C1C}">
+                <a14:useLocalDpi xmlns:a14="http://schemas.microsoft.com/office/drawing/2010/main" val="0"/>
+              </a:ext>
+            </a:extLst>
+          </a:blip>
+          <a:srcRect l="4951" r="4951"/>
+          <a:stretch>
+            <a:fillRect/>
+          </a:stretch>
+        </p:blipFill>
+        <p:spPr>
+          <a:xfrm>
+            <a:off x="779463" y="1828800"/>
+            <a:ext cx="7402904" cy="4108704"/>
+          </a:xfrm>
+        </p:spPr>
+      </p:pic>
+      <p:sp>
+        <p:nvSpPr>
+          <p:cNvPr id="5" name="TextBox 4">
+            <a:extLst>
+              <a:ext uri="{FF2B5EF4-FFF2-40B4-BE49-F238E27FC236}">
+                <a16:creationId xmlns:a16="http://schemas.microsoft.com/office/drawing/2014/main" id="{FECF0938-1C15-4C85-BB0B-FB083274BDEB}"/>
+              </a:ext>
+            </a:extLst>
+          </p:cNvPr>
+          <p:cNvSpPr txBox="1"/>
+          <p:nvPr/>
+        </p:nvSpPr>
+        <p:spPr>
+          <a:xfrm>
+            <a:off x="779463" y="6096000"/>
+            <a:ext cx="4548441" cy="369332"/>
+          </a:xfrm>
+          <a:prstGeom prst="rect">
+            <a:avLst/>
+          </a:prstGeom>
+          <a:noFill/>
+        </p:spPr>
+        <p:txBody>
+          <a:bodyPr wrap="square" rtlCol="0">
+            <a:spAutoFit/>
+          </a:bodyPr>
+          <a:lstStyle/>
+          <a:p>
+            <a:r>
+              <a:rPr lang="en-US" dirty="0">
+                <a:solidFill>
+                  <a:schemeClr val="bg1"/>
+                </a:solidFill>
+              </a:rPr>
+              <a:t>P Value: 0.45816872413662013</a:t>
+            </a:r>
+          </a:p>
+        </p:txBody>
+      </p:sp>
+    </p:spTree>
+    <p:extLst>
+      <p:ext uri="{BB962C8B-B14F-4D97-AF65-F5344CB8AC3E}">
+        <p14:creationId xmlns:p14="http://schemas.microsoft.com/office/powerpoint/2010/main" val="4293831840"/>
+      </p:ext>
+    </p:extLst>
+  </p:cSld>
+  <p:clrMapOvr>
+    <a:masterClrMapping/>
+  </p:clrMapOvr>
+</p:sld>
+</file>
+
 <file path=ppt/slides/slide5.xml><?xml version="1.0" encoding="utf-8"?>
 <p:sld xmlns:a="http://schemas.openxmlformats.org/drawingml/2006/main" xmlns:r="http://schemas.openxmlformats.org/officeDocument/2006/relationships" xmlns:p="http://schemas.openxmlformats.org/presentationml/2006/main">
   <p:cSld>
@@ -7274,14 +7540,14 @@
           <a:p>
             <a:r>
               <a:rPr lang="en-US" dirty="0"/>
-              <a:t>Cleveland Box Plot</a:t>
+              <a:t>St Paul Box Plot</a:t>
             </a:r>
           </a:p>
         </p:txBody>
       </p:sp>
       <p:pic>
         <p:nvPicPr>
-          <p:cNvPr id="4" name="Content Placeholder 3" descr="CLEBoxPlot.png"/>
+          <p:cNvPr id="6" name="Content Placeholder 5" descr="STPaulBoxPlot.png"/>
           <p:cNvPicPr>
             <a:picLocks noGrp="1" noChangeAspect="1"/>
           </p:cNvPicPr>
@@ -7304,10 +7570,49 @@
         </p:blipFill>
         <p:spPr/>
       </p:pic>
+      <p:sp>
+        <p:nvSpPr>
+          <p:cNvPr id="3" name="TextBox 2">
+            <a:extLst>
+              <a:ext uri="{FF2B5EF4-FFF2-40B4-BE49-F238E27FC236}">
+                <a16:creationId xmlns:a16="http://schemas.microsoft.com/office/drawing/2014/main" id="{737F65E8-2E86-4C16-B584-C770B1FDC550}"/>
+              </a:ext>
+            </a:extLst>
+          </p:cNvPr>
+          <p:cNvSpPr txBox="1"/>
+          <p:nvPr/>
+        </p:nvSpPr>
+        <p:spPr>
+          <a:xfrm>
+            <a:off x="779463" y="6193536"/>
+            <a:ext cx="7072185" cy="369332"/>
+          </a:xfrm>
+          <a:prstGeom prst="rect">
+            <a:avLst/>
+          </a:prstGeom>
+          <a:noFill/>
+        </p:spPr>
+        <p:txBody>
+          <a:bodyPr wrap="square" rtlCol="0">
+            <a:spAutoFit/>
+          </a:bodyPr>
+          <a:lstStyle/>
+          <a:p>
+            <a:r>
+              <a:rPr lang="en-US" dirty="0">
+                <a:solidFill>
+                  <a:schemeClr val="bg1"/>
+                </a:solidFill>
+              </a:rPr>
+              <a:t>P value: 6.802371940731888e-05</a:t>
+            </a:r>
+          </a:p>
+        </p:txBody>
+      </p:sp>
     </p:spTree>
     <p:extLst>
       <p:ext uri="{BB962C8B-B14F-4D97-AF65-F5344CB8AC3E}">
-        <p14:creationId xmlns:p14="http://schemas.microsoft.com/office/powerpoint/2010/main" val="4293831840"/>
+        <p14:creationId xmlns:p14="http://schemas.microsoft.com/office/powerpoint/2010/main" val="3653504736"/>
       </p:ext>
     </p:extLst>
   </p:cSld>
@@ -7351,14 +7656,14 @@
           <a:p>
             <a:r>
               <a:rPr lang="en-US" dirty="0"/>
-              <a:t>St Paul Box Plot</a:t>
+              <a:t>St Louis Box Plot</a:t>
             </a:r>
           </a:p>
         </p:txBody>
       </p:sp>
       <p:pic>
         <p:nvPicPr>
-          <p:cNvPr id="6" name="Content Placeholder 5" descr="STPaulBoxPlot.png"/>
+          <p:cNvPr id="4" name="Content Placeholder 3" descr="STLouisBoxPlot.png"/>
           <p:cNvPicPr>
             <a:picLocks noGrp="1" noChangeAspect="1"/>
           </p:cNvPicPr>
@@ -7381,10 +7686,49 @@
         </p:blipFill>
         <p:spPr/>
       </p:pic>
+      <p:sp>
+        <p:nvSpPr>
+          <p:cNvPr id="3" name="TextBox 2">
+            <a:extLst>
+              <a:ext uri="{FF2B5EF4-FFF2-40B4-BE49-F238E27FC236}">
+                <a16:creationId xmlns:a16="http://schemas.microsoft.com/office/drawing/2014/main" id="{BECC951B-8701-421B-AE44-667B33221F32}"/>
+              </a:ext>
+            </a:extLst>
+          </p:cNvPr>
+          <p:cNvSpPr txBox="1"/>
+          <p:nvPr/>
+        </p:nvSpPr>
+        <p:spPr>
+          <a:xfrm>
+            <a:off x="779463" y="6037730"/>
+            <a:ext cx="5389689" cy="369332"/>
+          </a:xfrm>
+          <a:prstGeom prst="rect">
+            <a:avLst/>
+          </a:prstGeom>
+          <a:noFill/>
+        </p:spPr>
+        <p:txBody>
+          <a:bodyPr wrap="square" rtlCol="0">
+            <a:spAutoFit/>
+          </a:bodyPr>
+          <a:lstStyle/>
+          <a:p>
+            <a:r>
+              <a:rPr lang="en-US" dirty="0">
+                <a:solidFill>
+                  <a:schemeClr val="bg1"/>
+                </a:solidFill>
+              </a:rPr>
+              <a:t>P Value: 1.053130794552519e-05</a:t>
+            </a:r>
+          </a:p>
+        </p:txBody>
+      </p:sp>
     </p:spTree>
     <p:extLst>
       <p:ext uri="{BB962C8B-B14F-4D97-AF65-F5344CB8AC3E}">
-        <p14:creationId xmlns:p14="http://schemas.microsoft.com/office/powerpoint/2010/main" val="3653504736"/>
+        <p14:creationId xmlns:p14="http://schemas.microsoft.com/office/powerpoint/2010/main" val="4271538489"/>
       </p:ext>
     </p:extLst>
   </p:cSld>
@@ -7413,7 +7757,13 @@
       </p:grpSpPr>
       <p:sp>
         <p:nvSpPr>
-          <p:cNvPr id="2" name="Title 1"/>
+          <p:cNvPr id="2" name="Title 1">
+            <a:extLst>
+              <a:ext uri="{FF2B5EF4-FFF2-40B4-BE49-F238E27FC236}">
+                <a16:creationId xmlns:a16="http://schemas.microsoft.com/office/drawing/2014/main" id="{01D5BE13-F553-4D83-925A-21E86D32956D}"/>
+              </a:ext>
+            </a:extLst>
+          </p:cNvPr>
           <p:cNvSpPr>
             <a:spLocks noGrp="1"/>
           </p:cNvSpPr>
@@ -7428,14 +7778,20 @@
           <a:p>
             <a:r>
               <a:rPr lang="en-US" dirty="0"/>
-              <a:t>St Louis Box Plot</a:t>
+              <a:t>Detroit Box Plot</a:t>
             </a:r>
           </a:p>
         </p:txBody>
       </p:sp>
       <p:pic>
         <p:nvPicPr>
-          <p:cNvPr id="4" name="Content Placeholder 3" descr="STLouisBoxPlot.png"/>
+          <p:cNvPr id="5" name="Content Placeholder 4">
+            <a:extLst>
+              <a:ext uri="{FF2B5EF4-FFF2-40B4-BE49-F238E27FC236}">
+                <a16:creationId xmlns:a16="http://schemas.microsoft.com/office/drawing/2014/main" id="{6F40F13F-1159-428D-88D0-CB65D58C7E7D}"/>
+              </a:ext>
+            </a:extLst>
+          </p:cNvPr>
           <p:cNvPicPr>
             <a:picLocks noGrp="1" noChangeAspect="1"/>
           </p:cNvPicPr>
@@ -7444,24 +7800,67 @@
           </p:nvPr>
         </p:nvPicPr>
         <p:blipFill>
-          <a:blip r:embed="rId3" cstate="email">
+          <a:blip r:embed="rId2">
             <a:extLst>
               <a:ext uri="{28A0092B-C50C-407E-A947-70E740481C1C}">
                 <a14:useLocalDpi xmlns:a14="http://schemas.microsoft.com/office/drawing/2010/main" val="0"/>
               </a:ext>
             </a:extLst>
           </a:blip>
-          <a:srcRect l="4951" r="4951"/>
           <a:stretch>
             <a:fillRect/>
           </a:stretch>
         </p:blipFill>
-        <p:spPr/>
+        <p:spPr>
+          <a:xfrm>
+            <a:off x="803164" y="1828800"/>
+            <a:ext cx="7536084" cy="4208463"/>
+          </a:xfrm>
+        </p:spPr>
       </p:pic>
+      <p:sp>
+        <p:nvSpPr>
+          <p:cNvPr id="3" name="TextBox 2">
+            <a:extLst>
+              <a:ext uri="{FF2B5EF4-FFF2-40B4-BE49-F238E27FC236}">
+                <a16:creationId xmlns:a16="http://schemas.microsoft.com/office/drawing/2014/main" id="{AEACCE9E-B918-4145-9E31-2CA4B947CECF}"/>
+              </a:ext>
+            </a:extLst>
+          </p:cNvPr>
+          <p:cNvSpPr txBox="1"/>
+          <p:nvPr/>
+        </p:nvSpPr>
+        <p:spPr>
+          <a:xfrm>
+            <a:off x="1182624" y="6037263"/>
+            <a:ext cx="5486400" cy="369332"/>
+          </a:xfrm>
+          <a:prstGeom prst="rect">
+            <a:avLst/>
+          </a:prstGeom>
+          <a:noFill/>
+        </p:spPr>
+        <p:txBody>
+          <a:bodyPr wrap="square" rtlCol="0">
+            <a:spAutoFit/>
+          </a:bodyPr>
+          <a:lstStyle/>
+          <a:p>
+            <a:r>
+              <a:rPr lang="en-US" dirty="0">
+                <a:solidFill>
+                  <a:schemeClr val="bg1"/>
+                </a:solidFill>
+              </a:rPr>
+              <a:t>P Value: 4.027990181085553e-05</a:t>
+            </a:r>
+          </a:p>
+        </p:txBody>
+      </p:sp>
     </p:spTree>
     <p:extLst>
       <p:ext uri="{BB962C8B-B14F-4D97-AF65-F5344CB8AC3E}">
-        <p14:creationId xmlns:p14="http://schemas.microsoft.com/office/powerpoint/2010/main" val="4271538489"/>
+        <p14:creationId xmlns:p14="http://schemas.microsoft.com/office/powerpoint/2010/main" val="3910028989"/>
       </p:ext>
     </p:extLst>
   </p:cSld>
@@ -7493,7 +7892,7 @@
           <p:cNvPr id="2" name="Title 1">
             <a:extLst>
               <a:ext uri="{FF2B5EF4-FFF2-40B4-BE49-F238E27FC236}">
-                <a16:creationId xmlns:a16="http://schemas.microsoft.com/office/drawing/2014/main" id="{01D5BE13-F553-4D83-925A-21E86D32956D}"/>
+                <a16:creationId xmlns:a16="http://schemas.microsoft.com/office/drawing/2014/main" id="{6CE7856E-A1CC-4174-875D-DD5A2740FEF9}"/>
               </a:ext>
             </a:extLst>
           </p:cNvPr>
@@ -7511,7 +7910,7 @@
           <a:p>
             <a:r>
               <a:rPr lang="en-US" dirty="0"/>
-              <a:t>Detroit Box Plot</a:t>
+              <a:t>Portland Box Plot</a:t>
             </a:r>
           </a:p>
         </p:txBody>
@@ -7521,7 +7920,7 @@
           <p:cNvPr id="5" name="Content Placeholder 4">
             <a:extLst>
               <a:ext uri="{FF2B5EF4-FFF2-40B4-BE49-F238E27FC236}">
-                <a16:creationId xmlns:a16="http://schemas.microsoft.com/office/drawing/2014/main" id="{6F40F13F-1159-428D-88D0-CB65D58C7E7D}"/>
+                <a16:creationId xmlns:a16="http://schemas.microsoft.com/office/drawing/2014/main" id="{42A99FB5-398C-43F8-8189-DA74F0E6FF49}"/>
               </a:ext>
             </a:extLst>
           </p:cNvPr>
@@ -7546,15 +7945,54 @@
         </p:blipFill>
         <p:spPr>
           <a:xfrm>
-            <a:off x="803164" y="1828800"/>
-            <a:ext cx="7536084" cy="4208463"/>
+            <a:off x="779463" y="1839356"/>
+            <a:ext cx="7583487" cy="4187351"/>
           </a:xfrm>
         </p:spPr>
       </p:pic>
+      <p:sp>
+        <p:nvSpPr>
+          <p:cNvPr id="3" name="TextBox 2">
+            <a:extLst>
+              <a:ext uri="{FF2B5EF4-FFF2-40B4-BE49-F238E27FC236}">
+                <a16:creationId xmlns:a16="http://schemas.microsoft.com/office/drawing/2014/main" id="{7283B7B2-6172-4867-AB10-5BB686AAC013}"/>
+              </a:ext>
+            </a:extLst>
+          </p:cNvPr>
+          <p:cNvSpPr txBox="1"/>
+          <p:nvPr/>
+        </p:nvSpPr>
+        <p:spPr>
+          <a:xfrm>
+            <a:off x="1243584" y="6026707"/>
+            <a:ext cx="5413248" cy="369332"/>
+          </a:xfrm>
+          <a:prstGeom prst="rect">
+            <a:avLst/>
+          </a:prstGeom>
+          <a:noFill/>
+        </p:spPr>
+        <p:txBody>
+          <a:bodyPr wrap="square" rtlCol="0">
+            <a:spAutoFit/>
+          </a:bodyPr>
+          <a:lstStyle/>
+          <a:p>
+            <a:r>
+              <a:rPr lang="en-US" dirty="0">
+                <a:solidFill>
+                  <a:schemeClr val="bg1"/>
+                </a:solidFill>
+              </a:rPr>
+              <a:t>P Value: 2.6352230480028464e-14</a:t>
+            </a:r>
+          </a:p>
+        </p:txBody>
+      </p:sp>
     </p:spTree>
     <p:extLst>
       <p:ext uri="{BB962C8B-B14F-4D97-AF65-F5344CB8AC3E}">
-        <p14:creationId xmlns:p14="http://schemas.microsoft.com/office/powerpoint/2010/main" val="3910028989"/>
+        <p14:creationId xmlns:p14="http://schemas.microsoft.com/office/powerpoint/2010/main" val="3768350036"/>
       </p:ext>
     </p:extLst>
   </p:cSld>
@@ -7586,7 +8024,7 @@
           <p:cNvPr id="2" name="Title 1">
             <a:extLst>
               <a:ext uri="{FF2B5EF4-FFF2-40B4-BE49-F238E27FC236}">
-                <a16:creationId xmlns:a16="http://schemas.microsoft.com/office/drawing/2014/main" id="{6CE7856E-A1CC-4174-875D-DD5A2740FEF9}"/>
+                <a16:creationId xmlns:a16="http://schemas.microsoft.com/office/drawing/2014/main" id="{C6C55605-53D1-4F9F-A7F1-7EE38C17F274}"/>
               </a:ext>
             </a:extLst>
           </p:cNvPr>
@@ -7604,17 +8042,17 @@
           <a:p>
             <a:r>
               <a:rPr lang="en-US" dirty="0"/>
-              <a:t>Portland Box Plot</a:t>
+              <a:t>Cincinnati Box Plot</a:t>
             </a:r>
           </a:p>
         </p:txBody>
       </p:sp>
       <p:pic>
         <p:nvPicPr>
-          <p:cNvPr id="5" name="Content Placeholder 4">
+          <p:cNvPr id="9" name="Content Placeholder 8">
             <a:extLst>
               <a:ext uri="{FF2B5EF4-FFF2-40B4-BE49-F238E27FC236}">
-                <a16:creationId xmlns:a16="http://schemas.microsoft.com/office/drawing/2014/main" id="{42A99FB5-398C-43F8-8189-DA74F0E6FF49}"/>
+                <a16:creationId xmlns:a16="http://schemas.microsoft.com/office/drawing/2014/main" id="{C9DA0FE0-A1F6-457E-A111-2C7864155744}"/>
               </a:ext>
             </a:extLst>
           </p:cNvPr>
@@ -7639,15 +8077,54 @@
         </p:blipFill>
         <p:spPr>
           <a:xfrm>
-            <a:off x="779463" y="1839356"/>
-            <a:ext cx="7583487" cy="4187351"/>
+            <a:off x="803164" y="1828800"/>
+            <a:ext cx="7536084" cy="4208463"/>
           </a:xfrm>
         </p:spPr>
       </p:pic>
+      <p:sp>
+        <p:nvSpPr>
+          <p:cNvPr id="3" name="TextBox 2">
+            <a:extLst>
+              <a:ext uri="{FF2B5EF4-FFF2-40B4-BE49-F238E27FC236}">
+                <a16:creationId xmlns:a16="http://schemas.microsoft.com/office/drawing/2014/main" id="{1AA1A173-0594-45F9-81B1-614A0EE071B2}"/>
+              </a:ext>
+            </a:extLst>
+          </p:cNvPr>
+          <p:cNvSpPr txBox="1"/>
+          <p:nvPr/>
+        </p:nvSpPr>
+        <p:spPr>
+          <a:xfrm>
+            <a:off x="1207008" y="6037263"/>
+            <a:ext cx="5644896" cy="369332"/>
+          </a:xfrm>
+          <a:prstGeom prst="rect">
+            <a:avLst/>
+          </a:prstGeom>
+          <a:noFill/>
+        </p:spPr>
+        <p:txBody>
+          <a:bodyPr wrap="square" rtlCol="0">
+            <a:spAutoFit/>
+          </a:bodyPr>
+          <a:lstStyle/>
+          <a:p>
+            <a:r>
+              <a:rPr lang="en-US" dirty="0">
+                <a:solidFill>
+                  <a:schemeClr val="bg1"/>
+                </a:solidFill>
+              </a:rPr>
+              <a:t>P Value: 0.427699307999016</a:t>
+            </a:r>
+          </a:p>
+        </p:txBody>
+      </p:sp>
     </p:spTree>
     <p:extLst>
       <p:ext uri="{BB962C8B-B14F-4D97-AF65-F5344CB8AC3E}">
-        <p14:creationId xmlns:p14="http://schemas.microsoft.com/office/powerpoint/2010/main" val="3768350036"/>
+        <p14:creationId xmlns:p14="http://schemas.microsoft.com/office/powerpoint/2010/main" val="76047468"/>
       </p:ext>
     </p:extLst>
   </p:cSld>
